--- a/src/test/resources/PPT.pptx
+++ b/src/test/resources/PPT.pptx
@@ -951,8 +951,9 @@
         <a:lstStyle/>
         <a:p>
           <a:r>
-            <a:rPr lang="zh-CN" altLang="en-US" sz="900" b="0" i="1" baseline="0" dirty="0">
-              <a:latin typeface="Monaco" pitchFamily="49" charset="0"/>
+            <a:rPr lang="zh-CN" altLang="en-US" sz="900" b="1" i="1" baseline="0" dirty="0">
+              <a:latin typeface="Monaco"/>
+              <a:cs typeface="Lucida Sans" panose="020B0602040502020204" pitchFamily="34" charset="0"/>
             </a:rPr>
             <a:t>会员代表大会</a:t>
           </a:r>
@@ -4373,8 +4374,9 @@
             <a:buNone/>
           </a:pPr>
           <a:r>
-            <a:rPr lang="zh-CN" altLang="en-US" sz="900" b="0" i="1" kern="1200" baseline="0" dirty="0">
-              <a:latin typeface="Monaco" pitchFamily="49" charset="0"/>
+            <a:rPr lang="zh-CN" altLang="en-US" sz="900" b="1" i="1" kern="1200" baseline="0" dirty="0">
+              <a:latin typeface="Monaco"/>
+              <a:cs typeface="Lucida Sans" panose="020B0602040502020204" pitchFamily="34" charset="0"/>
             </a:rPr>
             <a:t>会员代表大会</a:t>
           </a:r>
@@ -9205,7 +9207,7 @@
           <a:p>
             <a:fld id="{530820CF-B880-4189-942D-D702A7CBA730}" type="datetimeFigureOut">
               <a:rPr lang="zh-CN" altLang="en-US" smtClean="0"/>
-              <a:t>2019-08-25</a:t>
+              <a:t>2019-08-27</a:t>
             </a:fld>
             <a:endParaRPr lang="zh-CN" altLang="en-US"/>
           </a:p>
@@ -9585,7 +9587,7 @@
           <a:p>
             <a:fld id="{530820CF-B880-4189-942D-D702A7CBA730}" type="datetimeFigureOut">
               <a:rPr lang="zh-CN" altLang="en-US" smtClean="0"/>
-              <a:t>2019-08-25</a:t>
+              <a:t>2019-08-27</a:t>
             </a:fld>
             <a:endParaRPr lang="zh-CN" altLang="en-US"/>
           </a:p>
@@ -9808,7 +9810,7 @@
           <a:p>
             <a:fld id="{530820CF-B880-4189-942D-D702A7CBA730}" type="datetimeFigureOut">
               <a:rPr lang="zh-CN" altLang="en-US" smtClean="0"/>
-              <a:t>2019-08-25</a:t>
+              <a:t>2019-08-27</a:t>
             </a:fld>
             <a:endParaRPr lang="zh-CN" altLang="en-US"/>
           </a:p>
@@ -10761,7 +10763,7 @@
           <a:p>
             <a:fld id="{530820CF-B880-4189-942D-D702A7CBA730}" type="datetimeFigureOut">
               <a:rPr lang="zh-CN" altLang="en-US" smtClean="0"/>
-              <a:t>2019-08-25</a:t>
+              <a:t>2019-08-27</a:t>
             </a:fld>
             <a:endParaRPr lang="zh-CN" altLang="en-US"/>
           </a:p>
@@ -10889,7 +10891,7 @@
           <a:p>
             <a:fld id="{530820CF-B880-4189-942D-D702A7CBA730}" type="datetimeFigureOut">
               <a:rPr lang="zh-CN" altLang="en-US" smtClean="0"/>
-              <a:t>2019-08-25</a:t>
+              <a:t>2019-08-27</a:t>
             </a:fld>
             <a:endParaRPr lang="zh-CN" altLang="en-US"/>
           </a:p>
@@ -11947,7 +11949,7 @@
           <a:p>
             <a:fld id="{530820CF-B880-4189-942D-D702A7CBA730}" type="datetimeFigureOut">
               <a:rPr lang="zh-CN" altLang="en-US" smtClean="0"/>
-              <a:t>2019-08-25</a:t>
+              <a:t>2019-08-27</a:t>
             </a:fld>
             <a:endParaRPr lang="zh-CN" altLang="en-US"/>
           </a:p>
@@ -12126,7 +12128,7 @@
           <a:p>
             <a:fld id="{530820CF-B880-4189-942D-D702A7CBA730}" type="datetimeFigureOut">
               <a:rPr lang="zh-CN" altLang="en-US" smtClean="0"/>
-              <a:t>2019-08-25</a:t>
+              <a:t>2019-08-27</a:t>
             </a:fld>
             <a:endParaRPr lang="zh-CN" altLang="en-US"/>
           </a:p>
@@ -12218,7 +12220,7 @@
           <a:p>
             <a:fld id="{530820CF-B880-4189-942D-D702A7CBA730}" type="datetimeFigureOut">
               <a:rPr lang="zh-CN" altLang="en-US" smtClean="0"/>
-              <a:t>2019-08-25</a:t>
+              <a:t>2019-08-27</a:t>
             </a:fld>
             <a:endParaRPr lang="zh-CN" altLang="en-US"/>
           </a:p>
@@ -12475,7 +12477,7 @@
           <a:p>
             <a:fld id="{530820CF-B880-4189-942D-D702A7CBA730}" type="datetimeFigureOut">
               <a:rPr lang="zh-CN" altLang="en-US" smtClean="0"/>
-              <a:t>2019-08-25</a:t>
+              <a:t>2019-08-27</a:t>
             </a:fld>
             <a:endParaRPr lang="zh-CN" altLang="en-US" dirty="0"/>
           </a:p>
@@ -13395,7 +13397,7 @@
           <a:graphicData uri="http://schemas.openxmlformats.org/presentationml/2006/ole">
             <mc:AlternateContent xmlns:mc="http://schemas.openxmlformats.org/markup-compatibility/2006">
               <mc:Choice xmlns:v="urn:schemas-microsoft-com:vml" Requires="v">
-                <p:oleObj spid="_x0000_s1068" name="文档" r:id="rId3" imgW="5271564" imgH="8741474" progId="Word.Document.12">
+                <p:oleObj spid="_x0000_s1073" name="文档" r:id="rId3" imgW="5271564" imgH="8741474" progId="Word.Document.12">
                   <p:link updateAutomatic="1"/>
                 </p:oleObj>
               </mc:Choice>
@@ -13534,7 +13536,7 @@
             <p:ph idx="1"/>
             <p:extLst>
               <p:ext uri="{D42A27DB-BD31-4B8C-83A1-F6EECF244321}">
-                <p14:modId xmlns:p14="http://schemas.microsoft.com/office/powerpoint/2010/main" val="1089777969"/>
+                <p14:modId xmlns:p14="http://schemas.microsoft.com/office/powerpoint/2010/main" val="3761072040"/>
               </p:ext>
             </p:extLst>
           </p:nvPr>
